--- a/ALVF_Estrutura_de_TI_ConselhoDe Administracao_Fev_2025/Apresentação_ProspecçãodaEstrutura_SI_ALVF.pptx
+++ b/ALVF_Estrutura_de_TI_ConselhoDe Administracao_Fev_2025/Apresentação_ProspecçãodaEstrutura_SI_ALVF.pptx
@@ -5,7 +5,7 @@
     <p:sldMasterId id="2147483744" r:id="rId1"/>
   </p:sldMasterIdLst>
   <p:notesMasterIdLst>
-    <p:notesMasterId r:id="rId16"/>
+    <p:notesMasterId r:id="rId18"/>
   </p:notesMasterIdLst>
   <p:sldIdLst>
     <p:sldId id="256" r:id="rId2"/>
@@ -21,7 +21,9 @@
     <p:sldId id="368" r:id="rId12"/>
     <p:sldId id="369" r:id="rId13"/>
     <p:sldId id="370" r:id="rId14"/>
-    <p:sldId id="262" r:id="rId15"/>
+    <p:sldId id="375" r:id="rId15"/>
+    <p:sldId id="374" r:id="rId16"/>
+    <p:sldId id="262" r:id="rId17"/>
   </p:sldIdLst>
   <p:sldSz cx="9144000" cy="6858000" type="screen4x3"/>
   <p:notesSz cx="6858000" cy="9144000"/>
@@ -10728,7 +10730,7 @@
           <a:p>
             <a:fld id="{5802BE67-18CC-48B6-B0AC-DBB302AA60FE}" type="datetimeFigureOut">
               <a:rPr lang="pt-BR" smtClean="0"/>
-              <a:t>09/02/2025</a:t>
+              <a:t>21/02/2025</a:t>
             </a:fld>
             <a:endParaRPr lang="pt-BR"/>
           </a:p>
@@ -11335,7 +11337,7 @@
           <a:p>
             <a:fld id="{5BCAD085-E8A6-8845-BD4E-CB4CCA059FC4}" type="datetimeFigureOut">
               <a:rPr lang="en-US" smtClean="0"/>
-              <a:t>2/9/2025</a:t>
+              <a:t>2/21/2025</a:t>
             </a:fld>
             <a:endParaRPr lang="en-US"/>
           </a:p>
@@ -11533,7 +11535,7 @@
           <a:p>
             <a:fld id="{5BCAD085-E8A6-8845-BD4E-CB4CCA059FC4}" type="datetimeFigureOut">
               <a:rPr lang="en-US" smtClean="0"/>
-              <a:t>2/9/2025</a:t>
+              <a:t>2/21/2025</a:t>
             </a:fld>
             <a:endParaRPr lang="en-US"/>
           </a:p>
@@ -11741,7 +11743,7 @@
           <a:p>
             <a:fld id="{5BCAD085-E8A6-8845-BD4E-CB4CCA059FC4}" type="datetimeFigureOut">
               <a:rPr lang="en-US" smtClean="0"/>
-              <a:t>2/9/2025</a:t>
+              <a:t>2/21/2025</a:t>
             </a:fld>
             <a:endParaRPr lang="en-US"/>
           </a:p>
@@ -12169,7 +12171,7 @@
           <a:p>
             <a:fld id="{5BCAD085-E8A6-8845-BD4E-CB4CCA059FC4}" type="datetimeFigureOut">
               <a:rPr lang="en-US" smtClean="0"/>
-              <a:t>2/9/2025</a:t>
+              <a:t>2/21/2025</a:t>
             </a:fld>
             <a:endParaRPr lang="en-US"/>
           </a:p>
@@ -12444,7 +12446,7 @@
           <a:p>
             <a:fld id="{5BCAD085-E8A6-8845-BD4E-CB4CCA059FC4}" type="datetimeFigureOut">
               <a:rPr lang="en-US" smtClean="0"/>
-              <a:t>2/9/2025</a:t>
+              <a:t>2/21/2025</a:t>
             </a:fld>
             <a:endParaRPr lang="en-US"/>
           </a:p>
@@ -12709,7 +12711,7 @@
           <a:p>
             <a:fld id="{5BCAD085-E8A6-8845-BD4E-CB4CCA059FC4}" type="datetimeFigureOut">
               <a:rPr lang="en-US" smtClean="0"/>
-              <a:t>2/9/2025</a:t>
+              <a:t>2/21/2025</a:t>
             </a:fld>
             <a:endParaRPr lang="en-US"/>
           </a:p>
@@ -13121,7 +13123,7 @@
           <a:p>
             <a:fld id="{5BCAD085-E8A6-8845-BD4E-CB4CCA059FC4}" type="datetimeFigureOut">
               <a:rPr lang="en-US" smtClean="0"/>
-              <a:t>2/9/2025</a:t>
+              <a:t>2/21/2025</a:t>
             </a:fld>
             <a:endParaRPr lang="en-US"/>
           </a:p>
@@ -13262,7 +13264,7 @@
           <a:p>
             <a:fld id="{5BCAD085-E8A6-8845-BD4E-CB4CCA059FC4}" type="datetimeFigureOut">
               <a:rPr lang="en-US" smtClean="0"/>
-              <a:t>2/9/2025</a:t>
+              <a:t>2/21/2025</a:t>
             </a:fld>
             <a:endParaRPr lang="en-US"/>
           </a:p>
@@ -13375,7 +13377,7 @@
           <a:p>
             <a:fld id="{5BCAD085-E8A6-8845-BD4E-CB4CCA059FC4}" type="datetimeFigureOut">
               <a:rPr lang="en-US" smtClean="0"/>
-              <a:t>2/9/2025</a:t>
+              <a:t>2/21/2025</a:t>
             </a:fld>
             <a:endParaRPr lang="en-US"/>
           </a:p>
@@ -13686,7 +13688,7 @@
           <a:p>
             <a:fld id="{5BCAD085-E8A6-8845-BD4E-CB4CCA059FC4}" type="datetimeFigureOut">
               <a:rPr lang="en-US" smtClean="0"/>
-              <a:t>2/9/2025</a:t>
+              <a:t>2/21/2025</a:t>
             </a:fld>
             <a:endParaRPr lang="en-US"/>
           </a:p>
@@ -13974,7 +13976,7 @@
           <a:p>
             <a:fld id="{5BCAD085-E8A6-8845-BD4E-CB4CCA059FC4}" type="datetimeFigureOut">
               <a:rPr lang="en-US" smtClean="0"/>
-              <a:t>2/9/2025</a:t>
+              <a:t>2/21/2025</a:t>
             </a:fld>
             <a:endParaRPr lang="en-US"/>
           </a:p>
@@ -14215,7 +14217,7 @@
           <a:p>
             <a:fld id="{5BCAD085-E8A6-8845-BD4E-CB4CCA059FC4}" type="datetimeFigureOut">
               <a:rPr lang="en-US" smtClean="0"/>
-              <a:t>2/9/2025</a:t>
+              <a:t>2/21/2025</a:t>
             </a:fld>
             <a:endParaRPr lang="en-US"/>
           </a:p>
@@ -16043,7 +16045,7 @@
         <p:spPr>
           <a:xfrm>
             <a:off x="260828" y="332983"/>
-            <a:ext cx="8763429" cy="6432530"/>
+            <a:ext cx="8763429" cy="6463308"/>
           </a:xfrm>
           <a:prstGeom prst="rect">
             <a:avLst/>
@@ -16150,11 +16152,11 @@
             </a:r>
           </a:p>
           <a:p>
-            <a:pPr marL="128588" indent="-128588">
-              <a:buFont typeface="Wingdings" panose="05000000000000000000" pitchFamily="2" charset="2"/>
-              <a:buChar char="ü"/>
-            </a:pPr>
-            <a:endParaRPr lang="pt-BR" sz="1400" b="1" i="1" dirty="0"/>
+            <a:endParaRPr lang="pt-BR" sz="1600" b="1" i="1" dirty="0">
+              <a:solidFill>
+                <a:schemeClr val="accent1"/>
+              </a:solidFill>
+            </a:endParaRPr>
           </a:p>
           <a:p>
             <a:r>
@@ -16344,6 +16346,781 @@
 <file path=ppt/slides/slide14.xml><?xml version="1.0" encoding="utf-8"?>
 <p:sld xmlns:a="http://schemas.openxmlformats.org/drawingml/2006/main" xmlns:r="http://schemas.openxmlformats.org/officeDocument/2006/relationships" xmlns:p="http://schemas.openxmlformats.org/presentationml/2006/main">
   <p:cSld>
+    <p:spTree>
+      <p:nvGrpSpPr>
+        <p:cNvPr id="1" name=""/>
+        <p:cNvGrpSpPr/>
+        <p:nvPr/>
+      </p:nvGrpSpPr>
+      <p:grpSpPr>
+        <a:xfrm>
+          <a:off x="0" y="0"/>
+          <a:ext cx="0" cy="0"/>
+          <a:chOff x="0" y="0"/>
+          <a:chExt cx="0" cy="0"/>
+        </a:xfrm>
+      </p:grpSpPr>
+      <p:sp>
+        <p:nvSpPr>
+          <p:cNvPr id="2" name="Título 1">
+            <a:extLst>
+              <a:ext uri="{FF2B5EF4-FFF2-40B4-BE49-F238E27FC236}">
+                <a16:creationId xmlns:a16="http://schemas.microsoft.com/office/drawing/2014/main" id="{0C3FE56C-72D6-5CD9-DB8E-3B269353062B}"/>
+              </a:ext>
+            </a:extLst>
+          </p:cNvPr>
+          <p:cNvSpPr>
+            <a:spLocks noGrp="1"/>
+          </p:cNvSpPr>
+          <p:nvPr>
+            <p:ph type="title"/>
+          </p:nvPr>
+        </p:nvSpPr>
+        <p:spPr/>
+        <p:txBody>
+          <a:bodyPr>
+            <a:normAutofit/>
+          </a:bodyPr>
+          <a:lstStyle/>
+          <a:p>
+            <a:pPr algn="ctr"/>
+            <a:r>
+              <a:rPr lang="pt-BR" sz="3600" b="1" i="0" dirty="0">
+                <a:solidFill>
+                  <a:schemeClr val="accent1">
+                    <a:lumMod val="50000"/>
+                  </a:schemeClr>
+                </a:solidFill>
+                <a:effectLst/>
+                <a:latin typeface="Glassdoor Sans"/>
+              </a:rPr>
+              <a:t>Pagamento para Desenvolvedor</a:t>
+            </a:r>
+            <a:endParaRPr lang="pt-BR" dirty="0"/>
+          </a:p>
+        </p:txBody>
+      </p:sp>
+      <p:sp>
+        <p:nvSpPr>
+          <p:cNvPr id="3" name="Espaço Reservado para Conteúdo 2">
+            <a:extLst>
+              <a:ext uri="{FF2B5EF4-FFF2-40B4-BE49-F238E27FC236}">
+                <a16:creationId xmlns:a16="http://schemas.microsoft.com/office/drawing/2014/main" id="{9027124F-7D2E-26F7-80AD-98323EF4AAA1}"/>
+              </a:ext>
+            </a:extLst>
+          </p:cNvPr>
+          <p:cNvSpPr>
+            <a:spLocks noGrp="1"/>
+          </p:cNvSpPr>
+          <p:nvPr>
+            <p:ph idx="1"/>
+          </p:nvPr>
+        </p:nvSpPr>
+        <p:spPr>
+          <a:xfrm>
+            <a:off x="243068" y="1825625"/>
+            <a:ext cx="8657864" cy="4351338"/>
+          </a:xfrm>
+        </p:spPr>
+        <p:txBody>
+          <a:bodyPr>
+            <a:normAutofit/>
+          </a:bodyPr>
+          <a:lstStyle/>
+          <a:p>
+            <a:pPr marL="0" indent="0" algn="ctr">
+              <a:buNone/>
+            </a:pPr>
+            <a:r>
+              <a:rPr lang="pt-BR" sz="4400" b="1" i="0" dirty="0">
+                <a:solidFill>
+                  <a:schemeClr val="accent1">
+                    <a:lumMod val="50000"/>
+                  </a:schemeClr>
+                </a:solidFill>
+                <a:effectLst/>
+                <a:latin typeface="Glassdoor Sans"/>
+              </a:rPr>
+              <a:t>Fonte </a:t>
+            </a:r>
+          </a:p>
+          <a:p>
+            <a:pPr marL="0" indent="0" algn="ctr">
+              <a:buNone/>
+            </a:pPr>
+            <a:r>
+              <a:rPr lang="pt-BR" sz="4400" b="1" i="0" dirty="0">
+                <a:solidFill>
+                  <a:schemeClr val="accent1">
+                    <a:lumMod val="50000"/>
+                  </a:schemeClr>
+                </a:solidFill>
+                <a:effectLst/>
+                <a:latin typeface="Glassdoor Sans"/>
+              </a:rPr>
+              <a:t>glassdoor.com</a:t>
+            </a:r>
+          </a:p>
+          <a:p>
+            <a:pPr marL="0" indent="0" algn="ctr">
+              <a:buNone/>
+            </a:pPr>
+            <a:r>
+              <a:rPr lang="pt-BR" sz="4400" b="1" dirty="0">
+                <a:solidFill>
+                  <a:schemeClr val="accent1">
+                    <a:lumMod val="50000"/>
+                  </a:schemeClr>
+                </a:solidFill>
+                <a:latin typeface="Glassdoor Sans"/>
+              </a:rPr>
+              <a:t>Fevereiro/2025</a:t>
+            </a:r>
+            <a:r>
+              <a:rPr lang="pt-BR" sz="4400" b="1" i="0" dirty="0">
+                <a:solidFill>
+                  <a:schemeClr val="accent1">
+                    <a:lumMod val="50000"/>
+                  </a:schemeClr>
+                </a:solidFill>
+                <a:effectLst/>
+                <a:latin typeface="Glassdoor Sans"/>
+              </a:rPr>
+              <a:t> </a:t>
+            </a:r>
+          </a:p>
+          <a:p>
+            <a:pPr marL="0" indent="0" algn="ctr">
+              <a:buNone/>
+            </a:pPr>
+            <a:endParaRPr lang="pt-BR" sz="4400" b="1" i="0" dirty="0">
+              <a:solidFill>
+                <a:schemeClr val="accent1">
+                  <a:lumMod val="50000"/>
+                </a:schemeClr>
+              </a:solidFill>
+              <a:effectLst/>
+              <a:latin typeface="Glassdoor Sans"/>
+            </a:endParaRPr>
+          </a:p>
+          <a:p>
+            <a:pPr marL="0" indent="0">
+              <a:buNone/>
+            </a:pPr>
+            <a:r>
+              <a:rPr lang="pt-BR" sz="4400" b="1" dirty="0">
+                <a:solidFill>
+                  <a:schemeClr val="accent1">
+                    <a:lumMod val="50000"/>
+                  </a:schemeClr>
+                </a:solidFill>
+                <a:latin typeface="Glassdoor Sans"/>
+              </a:rPr>
+              <a:t>- </a:t>
+            </a:r>
+            <a:r>
+              <a:rPr lang="pt-BR" sz="4400" b="1" i="0" dirty="0">
+                <a:solidFill>
+                  <a:schemeClr val="accent1">
+                    <a:lumMod val="50000"/>
+                  </a:schemeClr>
+                </a:solidFill>
+                <a:effectLst/>
+                <a:latin typeface="Glassdoor Sans"/>
+              </a:rPr>
+              <a:t>Trainee</a:t>
+            </a:r>
+            <a:r>
+              <a:rPr lang="pt-BR" sz="4400" b="1" dirty="0">
+                <a:solidFill>
+                  <a:schemeClr val="accent1">
+                    <a:lumMod val="50000"/>
+                  </a:schemeClr>
+                </a:solidFill>
+                <a:latin typeface="Glassdoor Sans"/>
+              </a:rPr>
+              <a:t>, ou Junior:</a:t>
+            </a:r>
+            <a:r>
+              <a:rPr lang="pt-BR" sz="4400" b="1" i="0" dirty="0">
+                <a:solidFill>
+                  <a:schemeClr val="accent1">
+                    <a:lumMod val="50000"/>
+                  </a:schemeClr>
+                </a:solidFill>
+                <a:effectLst/>
+                <a:latin typeface="Glassdoor Sans"/>
+              </a:rPr>
+              <a:t> R$2.800,00 - R$4.000,00 </a:t>
+            </a:r>
+            <a:r>
+              <a:rPr lang="pt-BR" sz="4400" b="1" dirty="0">
+                <a:solidFill>
+                  <a:schemeClr val="accent1">
+                    <a:lumMod val="50000"/>
+                  </a:schemeClr>
+                </a:solidFill>
+                <a:latin typeface="Glassdoor Sans"/>
+              </a:rPr>
+              <a:t>por mês </a:t>
+            </a:r>
+            <a:r>
+              <a:rPr lang="pt-BR" sz="2400" b="1" i="0" dirty="0">
+                <a:solidFill>
+                  <a:schemeClr val="accent1">
+                    <a:lumMod val="50000"/>
+                  </a:schemeClr>
+                </a:solidFill>
+                <a:effectLst/>
+                <a:latin typeface="Glassdoor Sans"/>
+              </a:rPr>
+              <a:t>(</a:t>
+            </a:r>
+            <a:r>
+              <a:rPr lang="pt-BR" sz="2400" b="1" i="0" dirty="0" err="1">
+                <a:solidFill>
+                  <a:schemeClr val="accent1">
+                    <a:lumMod val="50000"/>
+                  </a:schemeClr>
+                </a:solidFill>
+                <a:effectLst/>
+                <a:latin typeface="Glassdoor Sans"/>
+              </a:rPr>
+              <a:t>Ibraflex</a:t>
+            </a:r>
+            <a:r>
+              <a:rPr lang="pt-BR" sz="2400" b="1" i="0" dirty="0">
+                <a:solidFill>
+                  <a:schemeClr val="accent1">
+                    <a:lumMod val="50000"/>
+                  </a:schemeClr>
+                </a:solidFill>
+                <a:effectLst/>
+                <a:latin typeface="Glassdoor Sans"/>
+              </a:rPr>
+              <a:t>-Chapecó-</a:t>
+            </a:r>
+            <a:r>
+              <a:rPr lang="pt-BR" sz="2400" b="1" i="0" dirty="0" err="1">
+                <a:solidFill>
+                  <a:schemeClr val="accent1">
+                    <a:lumMod val="50000"/>
+                  </a:schemeClr>
+                </a:solidFill>
+                <a:effectLst/>
+                <a:latin typeface="Glassdoor Sans"/>
+              </a:rPr>
+              <a:t>Glassdoor</a:t>
+            </a:r>
+            <a:r>
+              <a:rPr lang="pt-BR" sz="2400" b="1" i="0" dirty="0">
+                <a:solidFill>
+                  <a:schemeClr val="accent1">
+                    <a:lumMod val="50000"/>
+                  </a:schemeClr>
+                </a:solidFill>
+                <a:effectLst/>
+                <a:latin typeface="Glassdoor Sans"/>
+              </a:rPr>
+              <a:t>)</a:t>
+            </a:r>
+            <a:endParaRPr lang="pt-BR" sz="4400" b="1" i="1" dirty="0">
+              <a:solidFill>
+                <a:schemeClr val="accent1">
+                  <a:lumMod val="50000"/>
+                </a:schemeClr>
+              </a:solidFill>
+            </a:endParaRPr>
+          </a:p>
+          <a:p>
+            <a:pPr marL="128588" indent="-128588">
+              <a:buFont typeface="Wingdings" panose="05000000000000000000" pitchFamily="2" charset="2"/>
+              <a:buChar char="ü"/>
+            </a:pPr>
+            <a:endParaRPr lang="pt-BR" sz="2400" b="1" i="1" dirty="0"/>
+          </a:p>
+          <a:p>
+            <a:endParaRPr lang="pt-BR" dirty="0"/>
+          </a:p>
+        </p:txBody>
+      </p:sp>
+    </p:spTree>
+    <p:extLst>
+      <p:ext uri="{BB962C8B-B14F-4D97-AF65-F5344CB8AC3E}">
+        <p14:creationId xmlns:p14="http://schemas.microsoft.com/office/powerpoint/2010/main" val="1949214366"/>
+      </p:ext>
+    </p:extLst>
+  </p:cSld>
+  <p:clrMapOvr>
+    <a:masterClrMapping/>
+  </p:clrMapOvr>
+</p:sld>
+</file>
+
+<file path=ppt/slides/slide15.xml><?xml version="1.0" encoding="utf-8"?>
+<p:sld xmlns:a="http://schemas.openxmlformats.org/drawingml/2006/main" xmlns:r="http://schemas.openxmlformats.org/officeDocument/2006/relationships" xmlns:p="http://schemas.openxmlformats.org/presentationml/2006/main">
+  <p:cSld>
+    <p:spTree>
+      <p:nvGrpSpPr>
+        <p:cNvPr id="1" name=""/>
+        <p:cNvGrpSpPr/>
+        <p:nvPr/>
+      </p:nvGrpSpPr>
+      <p:grpSpPr>
+        <a:xfrm>
+          <a:off x="0" y="0"/>
+          <a:ext cx="0" cy="0"/>
+          <a:chOff x="0" y="0"/>
+          <a:chExt cx="0" cy="0"/>
+        </a:xfrm>
+      </p:grpSpPr>
+      <p:sp>
+        <p:nvSpPr>
+          <p:cNvPr id="2" name="Título 1">
+            <a:extLst>
+              <a:ext uri="{FF2B5EF4-FFF2-40B4-BE49-F238E27FC236}">
+                <a16:creationId xmlns:a16="http://schemas.microsoft.com/office/drawing/2014/main" id="{01BA4A59-818C-69C7-7FAC-6035F62A7D3F}"/>
+              </a:ext>
+            </a:extLst>
+          </p:cNvPr>
+          <p:cNvSpPr>
+            <a:spLocks noGrp="1"/>
+          </p:cNvSpPr>
+          <p:nvPr>
+            <p:ph type="title"/>
+          </p:nvPr>
+        </p:nvSpPr>
+        <p:spPr>
+          <a:xfrm>
+            <a:off x="208344" y="90490"/>
+            <a:ext cx="8704162" cy="549274"/>
+          </a:xfrm>
+        </p:spPr>
+        <p:txBody>
+          <a:bodyPr/>
+          <a:lstStyle/>
+          <a:p>
+            <a:pPr algn="ctr"/>
+            <a:r>
+              <a:rPr lang="pt-BR" dirty="0"/>
+              <a:t>Exemplos de Arranjos Físicos</a:t>
+            </a:r>
+          </a:p>
+        </p:txBody>
+      </p:sp>
+      <p:pic>
+        <p:nvPicPr>
+          <p:cNvPr id="7" name="Imagem 6" descr="Diagrama&#10;&#10;O conteúdo gerado por IA pode estar incorreto.">
+            <a:extLst>
+              <a:ext uri="{FF2B5EF4-FFF2-40B4-BE49-F238E27FC236}">
+                <a16:creationId xmlns:a16="http://schemas.microsoft.com/office/drawing/2014/main" id="{F672B68A-9D74-853A-6801-990571DC1BC6}"/>
+              </a:ext>
+            </a:extLst>
+          </p:cNvPr>
+          <p:cNvPicPr>
+            <a:picLocks noChangeAspect="1"/>
+          </p:cNvPicPr>
+          <p:nvPr/>
+        </p:nvPicPr>
+        <p:blipFill>
+          <a:blip r:embed="rId2"/>
+          <a:stretch>
+            <a:fillRect/>
+          </a:stretch>
+        </p:blipFill>
+        <p:spPr>
+          <a:xfrm>
+            <a:off x="299968" y="697288"/>
+            <a:ext cx="1273011" cy="1802494"/>
+          </a:xfrm>
+          <a:prstGeom prst="rect">
+            <a:avLst/>
+          </a:prstGeom>
+          <a:effectLst>
+            <a:outerShdw blurRad="50800" dist="50800" dir="5400000" algn="ctr" rotWithShape="0">
+              <a:srgbClr val="000000">
+                <a:alpha val="99000"/>
+              </a:srgbClr>
+            </a:outerShdw>
+          </a:effectLst>
+        </p:spPr>
+      </p:pic>
+      <p:pic>
+        <p:nvPicPr>
+          <p:cNvPr id="11" name="Imagem 10">
+            <a:extLst>
+              <a:ext uri="{FF2B5EF4-FFF2-40B4-BE49-F238E27FC236}">
+                <a16:creationId xmlns:a16="http://schemas.microsoft.com/office/drawing/2014/main" id="{829A7664-D3B5-0BB3-085E-6193BA34516C}"/>
+              </a:ext>
+            </a:extLst>
+          </p:cNvPr>
+          <p:cNvPicPr>
+            <a:picLocks noChangeAspect="1"/>
+          </p:cNvPicPr>
+          <p:nvPr/>
+        </p:nvPicPr>
+        <p:blipFill>
+          <a:blip r:embed="rId3"/>
+          <a:stretch>
+            <a:fillRect/>
+          </a:stretch>
+        </p:blipFill>
+        <p:spPr>
+          <a:xfrm>
+            <a:off x="1881819" y="658219"/>
+            <a:ext cx="1216316" cy="1802494"/>
+          </a:xfrm>
+          <a:prstGeom prst="rect">
+            <a:avLst/>
+          </a:prstGeom>
+          <a:effectLst>
+            <a:outerShdw blurRad="50800" dist="50800" dir="5400000" algn="ctr" rotWithShape="0">
+              <a:srgbClr val="000000">
+                <a:alpha val="99000"/>
+              </a:srgbClr>
+            </a:outerShdw>
+          </a:effectLst>
+        </p:spPr>
+      </p:pic>
+      <p:pic>
+        <p:nvPicPr>
+          <p:cNvPr id="13" name="Imagem 12" descr="Cozinha com mesa e cadeiras&#10;&#10;O conteúdo gerado por IA pode estar incorreto.">
+            <a:extLst>
+              <a:ext uri="{FF2B5EF4-FFF2-40B4-BE49-F238E27FC236}">
+                <a16:creationId xmlns:a16="http://schemas.microsoft.com/office/drawing/2014/main" id="{3D2B5DDB-1319-5FAE-60BB-47658CE49C2F}"/>
+              </a:ext>
+            </a:extLst>
+          </p:cNvPr>
+          <p:cNvPicPr>
+            <a:picLocks noChangeAspect="1"/>
+          </p:cNvPicPr>
+          <p:nvPr/>
+        </p:nvPicPr>
+        <p:blipFill>
+          <a:blip r:embed="rId4"/>
+          <a:stretch>
+            <a:fillRect/>
+          </a:stretch>
+        </p:blipFill>
+        <p:spPr>
+          <a:xfrm>
+            <a:off x="5803121" y="609420"/>
+            <a:ext cx="3109385" cy="2408083"/>
+          </a:xfrm>
+          <a:prstGeom prst="rect">
+            <a:avLst/>
+          </a:prstGeom>
+        </p:spPr>
+      </p:pic>
+      <p:pic>
+        <p:nvPicPr>
+          <p:cNvPr id="17" name="Picture 4">
+            <a:extLst>
+              <a:ext uri="{FF2B5EF4-FFF2-40B4-BE49-F238E27FC236}">
+                <a16:creationId xmlns:a16="http://schemas.microsoft.com/office/drawing/2014/main" id="{F2C5AC75-6D78-418F-9081-5F571805F94C}"/>
+              </a:ext>
+            </a:extLst>
+          </p:cNvPr>
+          <p:cNvPicPr>
+            <a:picLocks noChangeAspect="1" noChangeArrowheads="1"/>
+          </p:cNvPicPr>
+          <p:nvPr/>
+        </p:nvPicPr>
+        <p:blipFill>
+          <a:blip r:embed="rId5">
+            <a:extLst>
+              <a:ext uri="{28A0092B-C50C-407E-A947-70E740481C1C}">
+                <a14:useLocalDpi xmlns:a14="http://schemas.microsoft.com/office/drawing/2010/main" val="0"/>
+              </a:ext>
+            </a:extLst>
+          </a:blip>
+          <a:srcRect/>
+          <a:stretch>
+            <a:fillRect/>
+          </a:stretch>
+        </p:blipFill>
+        <p:spPr bwMode="auto">
+          <a:xfrm>
+            <a:off x="231494" y="2632506"/>
+            <a:ext cx="2094584" cy="2094584"/>
+          </a:xfrm>
+          <a:prstGeom prst="rect">
+            <a:avLst/>
+          </a:prstGeom>
+          <a:noFill/>
+          <a:extLst>
+            <a:ext uri="{909E8E84-426E-40DD-AFC4-6F175D3DCCD1}">
+              <a14:hiddenFill xmlns:a14="http://schemas.microsoft.com/office/drawing/2010/main">
+                <a:solidFill>
+                  <a:srgbClr val="FFFFFF"/>
+                </a:solidFill>
+              </a14:hiddenFill>
+            </a:ext>
+          </a:extLst>
+        </p:spPr>
+      </p:pic>
+      <p:sp>
+        <p:nvSpPr>
+          <p:cNvPr id="18" name="CaixaDeTexto 17">
+            <a:extLst>
+              <a:ext uri="{FF2B5EF4-FFF2-40B4-BE49-F238E27FC236}">
+                <a16:creationId xmlns:a16="http://schemas.microsoft.com/office/drawing/2014/main" id="{9C978CC9-7D58-F0BA-2B05-C343B4C57544}"/>
+              </a:ext>
+            </a:extLst>
+          </p:cNvPr>
+          <p:cNvSpPr txBox="1"/>
+          <p:nvPr/>
+        </p:nvSpPr>
+        <p:spPr>
+          <a:xfrm>
+            <a:off x="5235203" y="5599641"/>
+            <a:ext cx="3738622" cy="1200329"/>
+          </a:xfrm>
+          <a:prstGeom prst="rect">
+            <a:avLst/>
+          </a:prstGeom>
+          <a:noFill/>
+        </p:spPr>
+        <p:txBody>
+          <a:bodyPr wrap="square" rtlCol="0">
+            <a:spAutoFit/>
+          </a:bodyPr>
+          <a:lstStyle/>
+          <a:p>
+            <a:r>
+              <a:rPr lang="pt-BR" dirty="0"/>
+              <a:t>Modelos em Empresa de Software, com Arquitetural Robusto: </a:t>
+            </a:r>
+            <a:r>
+              <a:rPr lang="pt-BR" dirty="0">
+                <a:hlinkClick r:id="rId6"/>
+              </a:rPr>
+              <a:t>https://x.gd/T0mdV</a:t>
+            </a:r>
+            <a:endParaRPr lang="pt-BR" dirty="0"/>
+          </a:p>
+          <a:p>
+            <a:endParaRPr lang="pt-BR" dirty="0"/>
+          </a:p>
+        </p:txBody>
+      </p:sp>
+      <p:pic>
+        <p:nvPicPr>
+          <p:cNvPr id="1030" name="Picture 6">
+            <a:extLst>
+              <a:ext uri="{FF2B5EF4-FFF2-40B4-BE49-F238E27FC236}">
+                <a16:creationId xmlns:a16="http://schemas.microsoft.com/office/drawing/2014/main" id="{8DD9E4D7-9D6D-3C84-136A-0646E638FAE9}"/>
+              </a:ext>
+            </a:extLst>
+          </p:cNvPr>
+          <p:cNvPicPr>
+            <a:picLocks noChangeAspect="1" noChangeArrowheads="1"/>
+          </p:cNvPicPr>
+          <p:nvPr/>
+        </p:nvPicPr>
+        <p:blipFill>
+          <a:blip r:embed="rId7">
+            <a:extLst>
+              <a:ext uri="{28A0092B-C50C-407E-A947-70E740481C1C}">
+                <a14:useLocalDpi xmlns:a14="http://schemas.microsoft.com/office/drawing/2010/main" val="0"/>
+              </a:ext>
+            </a:extLst>
+          </a:blip>
+          <a:srcRect/>
+          <a:stretch>
+            <a:fillRect/>
+          </a:stretch>
+        </p:blipFill>
+        <p:spPr bwMode="auto">
+          <a:xfrm>
+            <a:off x="2547784" y="2887081"/>
+            <a:ext cx="2094583" cy="2094583"/>
+          </a:xfrm>
+          <a:prstGeom prst="rect">
+            <a:avLst/>
+          </a:prstGeom>
+          <a:noFill/>
+          <a:extLst>
+            <a:ext uri="{909E8E84-426E-40DD-AFC4-6F175D3DCCD1}">
+              <a14:hiddenFill xmlns:a14="http://schemas.microsoft.com/office/drawing/2010/main">
+                <a:solidFill>
+                  <a:srgbClr val="FFFFFF"/>
+                </a:solidFill>
+              </a14:hiddenFill>
+            </a:ext>
+          </a:extLst>
+        </p:spPr>
+      </p:pic>
+      <p:pic>
+        <p:nvPicPr>
+          <p:cNvPr id="1032" name="Picture 8">
+            <a:extLst>
+              <a:ext uri="{FF2B5EF4-FFF2-40B4-BE49-F238E27FC236}">
+                <a16:creationId xmlns:a16="http://schemas.microsoft.com/office/drawing/2014/main" id="{0A2EEC37-5A4C-6FB9-1D5A-4EE9A53646C8}"/>
+              </a:ext>
+            </a:extLst>
+          </p:cNvPr>
+          <p:cNvPicPr>
+            <a:picLocks noChangeAspect="1" noChangeArrowheads="1"/>
+          </p:cNvPicPr>
+          <p:nvPr/>
+        </p:nvPicPr>
+        <p:blipFill>
+          <a:blip r:embed="rId8">
+            <a:extLst>
+              <a:ext uri="{28A0092B-C50C-407E-A947-70E740481C1C}">
+                <a14:useLocalDpi xmlns:a14="http://schemas.microsoft.com/office/drawing/2010/main" val="0"/>
+              </a:ext>
+            </a:extLst>
+          </a:blip>
+          <a:srcRect/>
+          <a:stretch>
+            <a:fillRect/>
+          </a:stretch>
+        </p:blipFill>
+        <p:spPr bwMode="auto">
+          <a:xfrm>
+            <a:off x="299968" y="4773860"/>
+            <a:ext cx="2026110" cy="2026110"/>
+          </a:xfrm>
+          <a:prstGeom prst="rect">
+            <a:avLst/>
+          </a:prstGeom>
+          <a:noFill/>
+          <a:extLst>
+            <a:ext uri="{909E8E84-426E-40DD-AFC4-6F175D3DCCD1}">
+              <a14:hiddenFill xmlns:a14="http://schemas.microsoft.com/office/drawing/2010/main">
+                <a:solidFill>
+                  <a:srgbClr val="FFFFFF"/>
+                </a:solidFill>
+              </a14:hiddenFill>
+            </a:ext>
+          </a:extLst>
+        </p:spPr>
+      </p:pic>
+      <p:pic>
+        <p:nvPicPr>
+          <p:cNvPr id="20" name="Imagem 19">
+            <a:extLst>
+              <a:ext uri="{FF2B5EF4-FFF2-40B4-BE49-F238E27FC236}">
+                <a16:creationId xmlns:a16="http://schemas.microsoft.com/office/drawing/2014/main" id="{B99AD030-60C1-0167-285A-B9D6B8CBD4AA}"/>
+              </a:ext>
+            </a:extLst>
+          </p:cNvPr>
+          <p:cNvPicPr>
+            <a:picLocks noChangeAspect="1"/>
+          </p:cNvPicPr>
+          <p:nvPr/>
+        </p:nvPicPr>
+        <p:blipFill>
+          <a:blip r:embed="rId9"/>
+          <a:stretch>
+            <a:fillRect/>
+          </a:stretch>
+        </p:blipFill>
+        <p:spPr>
+          <a:xfrm>
+            <a:off x="3306156" y="481782"/>
+            <a:ext cx="2288130" cy="2233506"/>
+          </a:xfrm>
+          <a:prstGeom prst="rect">
+            <a:avLst/>
+          </a:prstGeom>
+        </p:spPr>
+      </p:pic>
+      <p:pic>
+        <p:nvPicPr>
+          <p:cNvPr id="24" name="Imagem 23">
+            <a:extLst>
+              <a:ext uri="{FF2B5EF4-FFF2-40B4-BE49-F238E27FC236}">
+                <a16:creationId xmlns:a16="http://schemas.microsoft.com/office/drawing/2014/main" id="{9FD3D1BC-3CE3-459C-B6F5-A3C309A47876}"/>
+              </a:ext>
+            </a:extLst>
+          </p:cNvPr>
+          <p:cNvPicPr>
+            <a:picLocks noChangeAspect="1"/>
+          </p:cNvPicPr>
+          <p:nvPr/>
+        </p:nvPicPr>
+        <p:blipFill>
+          <a:blip r:embed="rId10"/>
+          <a:stretch>
+            <a:fillRect/>
+          </a:stretch>
+        </p:blipFill>
+        <p:spPr>
+          <a:xfrm>
+            <a:off x="5038174" y="2889988"/>
+            <a:ext cx="3874332" cy="2494133"/>
+          </a:xfrm>
+          <a:prstGeom prst="rect">
+            <a:avLst/>
+          </a:prstGeom>
+        </p:spPr>
+      </p:pic>
+      <p:pic>
+        <p:nvPicPr>
+          <p:cNvPr id="1038" name="Picture 14" descr="Jovem hispânica com fones de ouvido codificando um aplicativo de software no computador em casa. Programador freelance escrevendo código">
+            <a:extLst>
+              <a:ext uri="{FF2B5EF4-FFF2-40B4-BE49-F238E27FC236}">
+                <a16:creationId xmlns:a16="http://schemas.microsoft.com/office/drawing/2014/main" id="{B61A99C1-543D-C1B4-AD54-CF4EF09F3A57}"/>
+              </a:ext>
+            </a:extLst>
+          </p:cNvPr>
+          <p:cNvPicPr>
+            <a:picLocks noChangeAspect="1" noChangeArrowheads="1"/>
+          </p:cNvPicPr>
+          <p:nvPr/>
+        </p:nvPicPr>
+        <p:blipFill>
+          <a:blip r:embed="rId11">
+            <a:extLst>
+              <a:ext uri="{28A0092B-C50C-407E-A947-70E740481C1C}">
+                <a14:useLocalDpi xmlns:a14="http://schemas.microsoft.com/office/drawing/2010/main" val="0"/>
+              </a:ext>
+            </a:extLst>
+          </a:blip>
+          <a:srcRect/>
+          <a:stretch>
+            <a:fillRect/>
+          </a:stretch>
+        </p:blipFill>
+        <p:spPr bwMode="auto">
+          <a:xfrm>
+            <a:off x="2523023" y="5153457"/>
+            <a:ext cx="2407997" cy="1607896"/>
+          </a:xfrm>
+          <a:prstGeom prst="rect">
+            <a:avLst/>
+          </a:prstGeom>
+          <a:noFill/>
+          <a:extLst>
+            <a:ext uri="{909E8E84-426E-40DD-AFC4-6F175D3DCCD1}">
+              <a14:hiddenFill xmlns:a14="http://schemas.microsoft.com/office/drawing/2010/main">
+                <a:solidFill>
+                  <a:srgbClr val="FFFFFF"/>
+                </a:solidFill>
+              </a14:hiddenFill>
+            </a:ext>
+          </a:extLst>
+        </p:spPr>
+      </p:pic>
+    </p:spTree>
+    <p:extLst>
+      <p:ext uri="{BB962C8B-B14F-4D97-AF65-F5344CB8AC3E}">
+        <p14:creationId xmlns:p14="http://schemas.microsoft.com/office/powerpoint/2010/main" val="489440086"/>
+      </p:ext>
+    </p:extLst>
+  </p:cSld>
+  <p:clrMapOvr>
+    <a:masterClrMapping/>
+  </p:clrMapOvr>
+</p:sld>
+</file>
+
+<file path=ppt/slides/slide16.xml><?xml version="1.0" encoding="utf-8"?>
+<p:sld xmlns:a="http://schemas.openxmlformats.org/drawingml/2006/main" xmlns:r="http://schemas.openxmlformats.org/officeDocument/2006/relationships" xmlns:p="http://schemas.openxmlformats.org/presentationml/2006/main">
+  <p:cSld>
     <p:bg>
       <p:bgPr>
         <a:solidFill>
@@ -16378,8 +17155,8 @@
         </p:nvSpPr>
         <p:spPr>
           <a:xfrm>
-            <a:off x="620486" y="426739"/>
-            <a:ext cx="7750628" cy="1618489"/>
+            <a:off x="620486" y="578734"/>
+            <a:ext cx="7750628" cy="1180618"/>
           </a:xfrm>
         </p:spPr>
         <p:txBody>
@@ -16701,8 +17478,8 @@
         </p:nvSpPr>
         <p:spPr>
           <a:xfrm>
-            <a:off x="963930" y="2969469"/>
-            <a:ext cx="6056111" cy="2800395"/>
+            <a:off x="768441" y="2507336"/>
+            <a:ext cx="7604568" cy="2800395"/>
           </a:xfrm>
         </p:spPr>
         <p:txBody>
@@ -16727,12 +17504,12 @@
             <a:endParaRPr lang="pt-BR" dirty="0"/>
           </a:p>
           <a:p>
-            <a:pPr marL="400050" lvl="1" indent="0">
+            <a:pPr marL="400050" lvl="1" indent="317500" algn="just">
               <a:buNone/>
             </a:pPr>
             <a:r>
-              <a:rPr lang="pt-BR" sz="2100"/>
-              <a:t>Demonstrar uma estrutura organizacional e necessidade da governança de TI no Hospital Regional do Oeste (HRO), sob gestão da ALVF, destacando a importância da implementação de um sistema robusto e seguro para a evolução digital do hospital HRO.</a:t>
+              <a:rPr lang="pt-BR" sz="2100" dirty="0"/>
+              <a:t>Demonstrar modelos para estrutura organizacional e necessidade da governança de TI no Hospital Regional do Oeste (HRO), sob gestão da ALVF, destacando a importância da implementação de um sistema robusto e seguro para a evolução digital do hospital HRO.</a:t>
             </a:r>
           </a:p>
         </p:txBody>
@@ -17023,8 +17800,8 @@
         </p:nvSpPr>
         <p:spPr>
           <a:xfrm>
-            <a:off x="963930" y="2969469"/>
-            <a:ext cx="6056111" cy="2800395"/>
+            <a:off x="963930" y="2496541"/>
+            <a:ext cx="7439290" cy="2800395"/>
           </a:xfrm>
         </p:spPr>
         <p:txBody>
@@ -17038,7 +17815,7 @@
               <a:buChar char="-"/>
             </a:pPr>
             <a:r>
-              <a:rPr lang="pt-BR" sz="1900" b="1"/>
+              <a:rPr lang="pt-BR" sz="1900" b="1" dirty="0"/>
               <a:t>Importância do Sistema de Informações no HRO e HNS</a:t>
             </a:r>
           </a:p>
@@ -17046,15 +17823,15 @@
             <a:pPr marL="0" indent="0">
               <a:buNone/>
             </a:pPr>
-            <a:endParaRPr lang="pt-BR" sz="1900"/>
-          </a:p>
-          <a:p>
-            <a:pPr marL="400050" lvl="1" indent="0">
+            <a:endParaRPr lang="pt-BR" sz="1900" dirty="0"/>
+          </a:p>
+          <a:p>
+            <a:pPr marL="400050" lvl="1" indent="0" algn="just">
               <a:buNone/>
             </a:pPr>
             <a:r>
-              <a:rPr lang="pt-BR" sz="1900"/>
-              <a:t>Os sistemas centralizam informações, otimizam a gestão de leitos, insumos e prontuários eletrônicos, garantem a segurança de dados e conformidade com a LGPD, comunicação com outras unidades de saúde, agilizando diagnósticos e atendimentos. </a:t>
+              <a:rPr lang="pt-BR" sz="1900" dirty="0"/>
+              <a:t>	Os sistemas centralizam informações, otimizam a gestão de leitos, insumos e prontuários eletrônicos, garantem a segurança de dados e conformidade com a LGPD, comunicação com outras unidades de saúde, agilizando diagnósticos e atendimentos. </a:t>
             </a:r>
           </a:p>
         </p:txBody>
@@ -18098,8 +18875,8 @@
         </p:nvSpPr>
         <p:spPr>
           <a:xfrm>
-            <a:off x="311700" y="828484"/>
-            <a:ext cx="8679900" cy="5324535"/>
+            <a:off x="311700" y="1164149"/>
+            <a:ext cx="8679900" cy="4955203"/>
           </a:xfrm>
           <a:prstGeom prst="rect">
             <a:avLst/>
@@ -18112,12 +18889,6 @@
           </a:bodyPr>
           <a:lstStyle/>
           <a:p>
-            <a:r>
-              <a:rPr lang="pt-BR" sz="2400" b="1" dirty="0"/>
-              <a:t>Inclui:</a:t>
-            </a:r>
-          </a:p>
-          <a:p>
             <a:endParaRPr lang="pt-BR" dirty="0"/>
           </a:p>
           <a:p>
@@ -18131,7 +18902,7 @@
             </a:r>
             <a:r>
               <a:rPr lang="pt-BR" dirty="0"/>
-              <a:t>Apresentar o organograma da governança de TI, responsabilidades e processos de gestão.</a:t>
+              <a:t> Organograma da governança de TI, responsabilidades e processos de gestão.</a:t>
             </a:r>
           </a:p>
           <a:p>
@@ -18148,7 +18919,7 @@
             </a:r>
             <a:r>
               <a:rPr lang="pt-BR" dirty="0"/>
-              <a:t>– Discutir frameworks aplicáveis (como COBIT, ITIL e LGPD) para garantir eficiência, segurança e conformidade no sistema hospitalar.</a:t>
+              <a:t>– Frameworks aplicáveis (como COBIT, ITIL e LGPD) para garantir eficiência, segurança e conformidade no sistema hospitalar.</a:t>
             </a:r>
           </a:p>
           <a:p>
@@ -18165,7 +18936,7 @@
             </a:r>
             <a:r>
               <a:rPr lang="pt-BR" dirty="0"/>
-              <a:t>– Avaliar os módulos utilizados, como prontuário eletrônico, gestão de leitos, telemedicina e integração com outras plataformas de saúde.</a:t>
+              <a:t>– Avaliar módulos utilizados, como prontuário eletrônico, gestão de leitos, telemedicina e integração com outras plataformas de saúde.</a:t>
             </a:r>
           </a:p>
           <a:p>
@@ -18199,7 +18970,7 @@
             </a:r>
             <a:r>
               <a:rPr lang="pt-BR" dirty="0"/>
-              <a:t>– Sugerir soluções para otimização da governança de TI, incluindo </a:t>
+              <a:t>– Implantação e otimização da governança de TI, incluindo </a:t>
             </a:r>
             <a:r>
               <a:rPr lang="pt-BR" b="1" dirty="0"/>

--- a/ALVF_Estrutura_de_TI_ConselhoDe Administracao_Fev_2025/Apresentação_ProspecçãodaEstrutura_SI_ALVF.pptx
+++ b/ALVF_Estrutura_de_TI_ConselhoDe Administracao_Fev_2025/Apresentação_ProspecçãodaEstrutura_SI_ALVF.pptx
@@ -5,7 +5,7 @@
     <p:sldMasterId id="2147483744" r:id="rId1"/>
   </p:sldMasterIdLst>
   <p:notesMasterIdLst>
-    <p:notesMasterId r:id="rId18"/>
+    <p:notesMasterId r:id="rId19"/>
   </p:notesMasterIdLst>
   <p:sldIdLst>
     <p:sldId id="256" r:id="rId2"/>
@@ -15,15 +15,16 @@
     <p:sldId id="335" r:id="rId6"/>
     <p:sldId id="357" r:id="rId7"/>
     <p:sldId id="292" r:id="rId8"/>
-    <p:sldId id="373" r:id="rId9"/>
-    <p:sldId id="371" r:id="rId10"/>
-    <p:sldId id="372" r:id="rId11"/>
-    <p:sldId id="368" r:id="rId12"/>
-    <p:sldId id="369" r:id="rId13"/>
-    <p:sldId id="370" r:id="rId14"/>
-    <p:sldId id="375" r:id="rId15"/>
-    <p:sldId id="374" r:id="rId16"/>
-    <p:sldId id="262" r:id="rId17"/>
+    <p:sldId id="376" r:id="rId9"/>
+    <p:sldId id="373" r:id="rId10"/>
+    <p:sldId id="371" r:id="rId11"/>
+    <p:sldId id="372" r:id="rId12"/>
+    <p:sldId id="368" r:id="rId13"/>
+    <p:sldId id="369" r:id="rId14"/>
+    <p:sldId id="370" r:id="rId15"/>
+    <p:sldId id="375" r:id="rId16"/>
+    <p:sldId id="374" r:id="rId17"/>
+    <p:sldId id="262" r:id="rId18"/>
   </p:sldIdLst>
   <p:sldSz cx="9144000" cy="6858000" type="screen4x3"/>
   <p:notesSz cx="6858000" cy="9144000"/>
@@ -7707,9 +7708,9 @@
         </a:prstGeom>
         <a:solidFill>
           <a:schemeClr val="accent5">
-            <a:hueOff val="-12152150"/>
-            <a:satOff val="-826"/>
-            <a:lumOff val="1961"/>
+            <a:hueOff val="-1931520"/>
+            <a:satOff val="0"/>
+            <a:lumOff val="-5098"/>
             <a:alphaOff val="0"/>
           </a:schemeClr>
         </a:solidFill>
@@ -10730,7 +10731,7 @@
           <a:p>
             <a:fld id="{5802BE67-18CC-48B6-B0AC-DBB302AA60FE}" type="datetimeFigureOut">
               <a:rPr lang="pt-BR" smtClean="0"/>
-              <a:t>21/02/2025</a:t>
+              <a:t>22/02/2025</a:t>
             </a:fld>
             <a:endParaRPr lang="pt-BR"/>
           </a:p>
@@ -11171,7 +11172,7 @@
           <a:p>
             <a:fld id="{65F21816-AFDF-487E-852F-FC7F85280FE9}" type="slidenum">
               <a:rPr lang="pt-BR" smtClean="0"/>
-              <a:t>11</a:t>
+              <a:t>12</a:t>
             </a:fld>
             <a:endParaRPr lang="pt-BR"/>
           </a:p>
@@ -11337,7 +11338,7 @@
           <a:p>
             <a:fld id="{5BCAD085-E8A6-8845-BD4E-CB4CCA059FC4}" type="datetimeFigureOut">
               <a:rPr lang="en-US" smtClean="0"/>
-              <a:t>2/21/2025</a:t>
+              <a:t>2/22/2025</a:t>
             </a:fld>
             <a:endParaRPr lang="en-US"/>
           </a:p>
@@ -11535,7 +11536,7 @@
           <a:p>
             <a:fld id="{5BCAD085-E8A6-8845-BD4E-CB4CCA059FC4}" type="datetimeFigureOut">
               <a:rPr lang="en-US" smtClean="0"/>
-              <a:t>2/21/2025</a:t>
+              <a:t>2/22/2025</a:t>
             </a:fld>
             <a:endParaRPr lang="en-US"/>
           </a:p>
@@ -11743,7 +11744,7 @@
           <a:p>
             <a:fld id="{5BCAD085-E8A6-8845-BD4E-CB4CCA059FC4}" type="datetimeFigureOut">
               <a:rPr lang="en-US" smtClean="0"/>
-              <a:t>2/21/2025</a:t>
+              <a:t>2/22/2025</a:t>
             </a:fld>
             <a:endParaRPr lang="en-US"/>
           </a:p>
@@ -12171,7 +12172,7 @@
           <a:p>
             <a:fld id="{5BCAD085-E8A6-8845-BD4E-CB4CCA059FC4}" type="datetimeFigureOut">
               <a:rPr lang="en-US" smtClean="0"/>
-              <a:t>2/21/2025</a:t>
+              <a:t>2/22/2025</a:t>
             </a:fld>
             <a:endParaRPr lang="en-US"/>
           </a:p>
@@ -12446,7 +12447,7 @@
           <a:p>
             <a:fld id="{5BCAD085-E8A6-8845-BD4E-CB4CCA059FC4}" type="datetimeFigureOut">
               <a:rPr lang="en-US" smtClean="0"/>
-              <a:t>2/21/2025</a:t>
+              <a:t>2/22/2025</a:t>
             </a:fld>
             <a:endParaRPr lang="en-US"/>
           </a:p>
@@ -12711,7 +12712,7 @@
           <a:p>
             <a:fld id="{5BCAD085-E8A6-8845-BD4E-CB4CCA059FC4}" type="datetimeFigureOut">
               <a:rPr lang="en-US" smtClean="0"/>
-              <a:t>2/21/2025</a:t>
+              <a:t>2/22/2025</a:t>
             </a:fld>
             <a:endParaRPr lang="en-US"/>
           </a:p>
@@ -13123,7 +13124,7 @@
           <a:p>
             <a:fld id="{5BCAD085-E8A6-8845-BD4E-CB4CCA059FC4}" type="datetimeFigureOut">
               <a:rPr lang="en-US" smtClean="0"/>
-              <a:t>2/21/2025</a:t>
+              <a:t>2/22/2025</a:t>
             </a:fld>
             <a:endParaRPr lang="en-US"/>
           </a:p>
@@ -13264,7 +13265,7 @@
           <a:p>
             <a:fld id="{5BCAD085-E8A6-8845-BD4E-CB4CCA059FC4}" type="datetimeFigureOut">
               <a:rPr lang="en-US" smtClean="0"/>
-              <a:t>2/21/2025</a:t>
+              <a:t>2/22/2025</a:t>
             </a:fld>
             <a:endParaRPr lang="en-US"/>
           </a:p>
@@ -13377,7 +13378,7 @@
           <a:p>
             <a:fld id="{5BCAD085-E8A6-8845-BD4E-CB4CCA059FC4}" type="datetimeFigureOut">
               <a:rPr lang="en-US" smtClean="0"/>
-              <a:t>2/21/2025</a:t>
+              <a:t>2/22/2025</a:t>
             </a:fld>
             <a:endParaRPr lang="en-US"/>
           </a:p>
@@ -13688,7 +13689,7 @@
           <a:p>
             <a:fld id="{5BCAD085-E8A6-8845-BD4E-CB4CCA059FC4}" type="datetimeFigureOut">
               <a:rPr lang="en-US" smtClean="0"/>
-              <a:t>2/21/2025</a:t>
+              <a:t>2/22/2025</a:t>
             </a:fld>
             <a:endParaRPr lang="en-US"/>
           </a:p>
@@ -13976,7 +13977,7 @@
           <a:p>
             <a:fld id="{5BCAD085-E8A6-8845-BD4E-CB4CCA059FC4}" type="datetimeFigureOut">
               <a:rPr lang="en-US" smtClean="0"/>
-              <a:t>2/21/2025</a:t>
+              <a:t>2/22/2025</a:t>
             </a:fld>
             <a:endParaRPr lang="en-US"/>
           </a:p>
@@ -14217,7 +14218,7 @@
           <a:p>
             <a:fld id="{5BCAD085-E8A6-8845-BD4E-CB4CCA059FC4}" type="datetimeFigureOut">
               <a:rPr lang="en-US" smtClean="0"/>
-              <a:t>2/21/2025</a:t>
+              <a:t>2/22/2025</a:t>
             </a:fld>
             <a:endParaRPr lang="en-US"/>
           </a:p>
@@ -14845,19 +14846,33 @@
         <p:spPr>
           <a:xfrm>
             <a:off x="665018" y="729674"/>
-            <a:ext cx="7860146" cy="3226298"/>
+            <a:ext cx="7860146" cy="2699326"/>
           </a:xfrm>
         </p:spPr>
         <p:txBody>
           <a:bodyPr anchor="b">
-            <a:normAutofit/>
+            <a:noAutofit/>
           </a:bodyPr>
           <a:lstStyle/>
           <a:p>
-            <a:pPr algn="l"/>
-            <a:r>
-              <a:rPr lang="pt-BR" sz="5500" dirty="0"/>
-              <a:t>Prospecção de Estrutura para Tecnologia da Informação da ALVF/HRO/HNS</a:t>
+            <a:r>
+              <a:rPr lang="pt-BR" sz="4400" dirty="0"/>
+              <a:t>Prospecção de Estrutura para Tecnologia da Informação da ALVF</a:t>
+            </a:r>
+            <a:br>
+              <a:rPr lang="pt-BR" sz="4400" dirty="0"/>
+            </a:br>
+            <a:r>
+              <a:rPr lang="pt-BR" sz="4400" dirty="0"/>
+              <a:t>Associação </a:t>
+            </a:r>
+            <a:r>
+              <a:rPr lang="pt-BR" sz="4400" dirty="0" err="1"/>
+              <a:t>Lenoir</a:t>
+            </a:r>
+            <a:r>
+              <a:rPr lang="pt-BR" sz="4400" dirty="0"/>
+              <a:t> Vargas Ferreira</a:t>
             </a:r>
           </a:p>
         </p:txBody>
@@ -15198,6 +15213,66 @@
           <a:chExt cx="0" cy="0"/>
         </a:xfrm>
       </p:grpSpPr>
+      <p:pic>
+        <p:nvPicPr>
+          <p:cNvPr id="6" name="Imagem 5">
+            <a:extLst>
+              <a:ext uri="{FF2B5EF4-FFF2-40B4-BE49-F238E27FC236}">
+                <a16:creationId xmlns:a16="http://schemas.microsoft.com/office/drawing/2014/main" id="{A2D3BB84-F416-C5BE-A3D1-EE2CF1DC38C7}"/>
+              </a:ext>
+            </a:extLst>
+          </p:cNvPr>
+          <p:cNvPicPr>
+            <a:picLocks noChangeAspect="1"/>
+          </p:cNvPicPr>
+          <p:nvPr/>
+        </p:nvPicPr>
+        <p:blipFill>
+          <a:blip r:embed="rId2"/>
+          <a:stretch>
+            <a:fillRect/>
+          </a:stretch>
+        </p:blipFill>
+        <p:spPr>
+          <a:xfrm>
+            <a:off x="137043" y="326571"/>
+            <a:ext cx="8902765" cy="5900057"/>
+          </a:xfrm>
+          <a:prstGeom prst="rect">
+            <a:avLst/>
+          </a:prstGeom>
+        </p:spPr>
+      </p:pic>
+    </p:spTree>
+    <p:extLst>
+      <p:ext uri="{BB962C8B-B14F-4D97-AF65-F5344CB8AC3E}">
+        <p14:creationId xmlns:p14="http://schemas.microsoft.com/office/powerpoint/2010/main" val="1623187576"/>
+      </p:ext>
+    </p:extLst>
+  </p:cSld>
+  <p:clrMapOvr>
+    <a:masterClrMapping/>
+  </p:clrMapOvr>
+</p:sld>
+</file>
+
+<file path=ppt/slides/slide11.xml><?xml version="1.0" encoding="utf-8"?>
+<p:sld xmlns:a="http://schemas.openxmlformats.org/drawingml/2006/main" xmlns:r="http://schemas.openxmlformats.org/officeDocument/2006/relationships" xmlns:p="http://schemas.openxmlformats.org/presentationml/2006/main">
+  <p:cSld>
+    <p:spTree>
+      <p:nvGrpSpPr>
+        <p:cNvPr id="1" name=""/>
+        <p:cNvGrpSpPr/>
+        <p:nvPr/>
+      </p:nvGrpSpPr>
+      <p:grpSpPr>
+        <a:xfrm>
+          <a:off x="0" y="0"/>
+          <a:ext cx="0" cy="0"/>
+          <a:chOff x="0" y="0"/>
+          <a:chExt cx="0" cy="0"/>
+        </a:xfrm>
+      </p:grpSpPr>
       <p:sp>
         <p:nvSpPr>
           <p:cNvPr id="2" name="Título 1">
@@ -15306,7 +15381,7 @@
 </p:sld>
 </file>
 
-<file path=ppt/slides/slide11.xml><?xml version="1.0" encoding="utf-8"?>
+<file path=ppt/slides/slide12.xml><?xml version="1.0" encoding="utf-8"?>
 <p:sld xmlns:a="http://schemas.openxmlformats.org/drawingml/2006/main" xmlns:r="http://schemas.openxmlformats.org/officeDocument/2006/relationships" xmlns:p="http://schemas.openxmlformats.org/presentationml/2006/main">
   <p:cSld>
     <p:bg>
@@ -15344,13 +15419,13 @@
           <p:nvPr>
             <p:extLst>
               <p:ext uri="{D42A27DB-BD31-4B8C-83A1-F6EECF244321}">
-                <p14:modId xmlns:p14="http://schemas.microsoft.com/office/powerpoint/2010/main" val="601067169"/>
+                <p14:modId xmlns:p14="http://schemas.microsoft.com/office/powerpoint/2010/main" val="3595159287"/>
               </p:ext>
             </p:extLst>
           </p:nvPr>
         </p:nvGraphicFramePr>
         <p:xfrm>
-          <a:off x="319075" y="293494"/>
+          <a:off x="319075" y="680451"/>
           <a:ext cx="8660121" cy="5987563"/>
         </p:xfrm>
         <a:graphic>
@@ -15373,8 +15448,8 @@
         </p:nvSpPr>
         <p:spPr>
           <a:xfrm>
-            <a:off x="2286000" y="232173"/>
-            <a:ext cx="4572000" cy="361637"/>
+            <a:off x="2206375" y="665840"/>
+            <a:ext cx="4731249" cy="1646605"/>
           </a:xfrm>
           <a:prstGeom prst="rect">
             <a:avLst/>
@@ -15388,9 +15463,6 @@
           <a:lstStyle/>
           <a:p>
             <a:pPr algn="ctr">
-              <a:lnSpc>
-                <a:spcPts val="2100"/>
-              </a:lnSpc>
               <a:spcBef>
                 <a:spcPct val="0"/>
               </a:spcBef>
@@ -15399,7 +15471,7 @@
               </a:spcAft>
             </a:pPr>
             <a:r>
-              <a:rPr lang="en-US" b="1" err="1">
+              <a:rPr lang="en-US" sz="4800" b="1" dirty="0" err="1">
                 <a:solidFill>
                   <a:srgbClr val="5D9E8D"/>
                 </a:solidFill>
@@ -15408,9 +15480,43 @@
                 <a:cs typeface="Poppins 1 Semi-Bold"/>
                 <a:sym typeface="Poppins 1 Semi-Bold"/>
               </a:rPr>
-              <a:t>Organograma</a:t>
-            </a:r>
-            <a:endParaRPr lang="en-US" b="1">
+              <a:t>Evolução</a:t>
+            </a:r>
+            <a:r>
+              <a:rPr lang="en-US" sz="4800" b="1" dirty="0">
+                <a:solidFill>
+                  <a:srgbClr val="5D9E8D"/>
+                </a:solidFill>
+                <a:latin typeface="Poppins 1 Semi-Bold"/>
+                <a:ea typeface="Poppins 1 Semi-Bold"/>
+                <a:cs typeface="Poppins 1 Semi-Bold"/>
+                <a:sym typeface="Poppins 1 Semi-Bold"/>
+              </a:rPr>
+              <a:t> </a:t>
+            </a:r>
+          </a:p>
+          <a:p>
+            <a:pPr algn="ctr">
+              <a:spcBef>
+                <a:spcPct val="0"/>
+              </a:spcBef>
+              <a:spcAft>
+                <a:spcPts val="600"/>
+              </a:spcAft>
+            </a:pPr>
+            <a:r>
+              <a:rPr lang="en-US" sz="4800" b="1" dirty="0" err="1">
+                <a:solidFill>
+                  <a:srgbClr val="5D9E8D"/>
+                </a:solidFill>
+                <a:latin typeface="Poppins 1 Semi-Bold"/>
+                <a:ea typeface="Poppins 1 Semi-Bold"/>
+                <a:cs typeface="Poppins 1 Semi-Bold"/>
+                <a:sym typeface="Poppins 1 Semi-Bold"/>
+              </a:rPr>
+              <a:t>Organizacional</a:t>
+            </a:r>
+            <a:endParaRPr lang="en-US" sz="4800" b="1" dirty="0">
               <a:solidFill>
                 <a:srgbClr val="5D9E8D"/>
               </a:solidFill>
@@ -15435,7 +15541,7 @@
 </p:sld>
 </file>
 
-<file path=ppt/slides/slide12.xml><?xml version="1.0" encoding="utf-8"?>
+<file path=ppt/slides/slide13.xml><?xml version="1.0" encoding="utf-8"?>
 <p:sld xmlns:a="http://schemas.openxmlformats.org/drawingml/2006/main" xmlns:r="http://schemas.openxmlformats.org/officeDocument/2006/relationships" xmlns:p="http://schemas.openxmlformats.org/presentationml/2006/main">
   <p:cSld>
     <p:spTree>
@@ -15965,7 +16071,7 @@
 </p:sld>
 </file>
 
-<file path=ppt/slides/slide13.xml><?xml version="1.0" encoding="utf-8"?>
+<file path=ppt/slides/slide14.xml><?xml version="1.0" encoding="utf-8"?>
 <p:sld xmlns:a="http://schemas.openxmlformats.org/drawingml/2006/main" xmlns:r="http://schemas.openxmlformats.org/officeDocument/2006/relationships" xmlns:p="http://schemas.openxmlformats.org/presentationml/2006/main">
   <p:cSld>
     <p:spTree>
@@ -16343,7 +16449,7 @@
 </p:sld>
 </file>
 
-<file path=ppt/slides/slide14.xml><?xml version="1.0" encoding="utf-8"?>
+<file path=ppt/slides/slide15.xml><?xml version="1.0" encoding="utf-8"?>
 <p:sld xmlns:a="http://schemas.openxmlformats.org/drawingml/2006/main" xmlns:r="http://schemas.openxmlformats.org/officeDocument/2006/relationships" xmlns:p="http://schemas.openxmlformats.org/presentationml/2006/main">
   <p:cSld>
     <p:spTree>
@@ -16657,7 +16763,7 @@
 </p:sld>
 </file>
 
-<file path=ppt/slides/slide15.xml><?xml version="1.0" encoding="utf-8"?>
+<file path=ppt/slides/slide16.xml><?xml version="1.0" encoding="utf-8"?>
 <p:sld xmlns:a="http://schemas.openxmlformats.org/drawingml/2006/main" xmlns:r="http://schemas.openxmlformats.org/officeDocument/2006/relationships" xmlns:p="http://schemas.openxmlformats.org/presentationml/2006/main">
   <p:cSld>
     <p:spTree>
@@ -16841,7 +16947,7 @@
         </p:blipFill>
         <p:spPr bwMode="auto">
           <a:xfrm>
-            <a:off x="231494" y="2632506"/>
+            <a:off x="3403336" y="658219"/>
             <a:ext cx="2094584" cy="2094584"/>
           </a:xfrm>
           <a:prstGeom prst="rect">
@@ -16933,7 +17039,7 @@
         </p:blipFill>
         <p:spPr bwMode="auto">
           <a:xfrm>
-            <a:off x="2547784" y="2887081"/>
+            <a:off x="2715893" y="2887081"/>
             <a:ext cx="2094583" cy="2094583"/>
           </a:xfrm>
           <a:prstGeom prst="rect">
@@ -17020,7 +17126,7 @@
         </p:blipFill>
         <p:spPr>
           <a:xfrm>
-            <a:off x="3306156" y="481782"/>
+            <a:off x="200065" y="2506499"/>
             <a:ext cx="2288130" cy="2233506"/>
           </a:xfrm>
           <a:prstGeom prst="rect">
@@ -17118,7 +17224,7 @@
 </p:sld>
 </file>
 
-<file path=ppt/slides/slide16.xml><?xml version="1.0" encoding="utf-8"?>
+<file path=ppt/slides/slide17.xml><?xml version="1.0" encoding="utf-8"?>
 <p:sld xmlns:a="http://schemas.openxmlformats.org/drawingml/2006/main" xmlns:r="http://schemas.openxmlformats.org/officeDocument/2006/relationships" xmlns:p="http://schemas.openxmlformats.org/presentationml/2006/main">
   <p:cSld>
     <p:bg>
@@ -17443,19 +17549,19 @@
         </p:nvSpPr>
         <p:spPr>
           <a:xfrm>
-            <a:off x="963930" y="1050595"/>
-            <a:ext cx="6056111" cy="1618489"/>
+            <a:off x="713404" y="755343"/>
+            <a:ext cx="7714641" cy="1618489"/>
           </a:xfrm>
         </p:spPr>
         <p:txBody>
           <a:bodyPr anchor="ctr">
-            <a:normAutofit/>
+            <a:normAutofit fontScale="90000"/>
           </a:bodyPr>
           <a:lstStyle/>
           <a:p>
             <a:r>
               <a:rPr lang="pt-BR" sz="6300" dirty="0"/>
-              <a:t>Introdução</a:t>
+              <a:t>Objetivo da Apresentação</a:t>
             </a:r>
           </a:p>
         </p:txBody>
@@ -17478,7 +17584,7 @@
         </p:nvSpPr>
         <p:spPr>
           <a:xfrm>
-            <a:off x="768441" y="2507336"/>
+            <a:off x="713404" y="2191431"/>
             <a:ext cx="7604568" cy="2800395"/>
           </a:xfrm>
         </p:spPr>
@@ -17488,16 +17594,6 @@
           </a:bodyPr>
           <a:lstStyle/>
           <a:p>
-            <a:pPr>
-              <a:buFontTx/>
-              <a:buChar char="-"/>
-            </a:pPr>
-            <a:r>
-              <a:rPr lang="pt-BR" b="1" dirty="0"/>
-              <a:t>Objetivo da apresentação</a:t>
-            </a:r>
-          </a:p>
-          <a:p>
             <a:pPr marL="0" indent="0">
               <a:buNone/>
             </a:pPr>
@@ -17508,8 +17604,40 @@
               <a:buNone/>
             </a:pPr>
             <a:r>
-              <a:rPr lang="pt-BR" sz="2100" dirty="0"/>
-              <a:t>Demonstrar modelos para estrutura organizacional e necessidade da governança de TI no Hospital Regional do Oeste (HRO), sob gestão da ALVF, destacando a importância da implementação de um sistema robusto e seguro para a evolução digital do hospital HRO.</a:t>
+              <a:rPr lang="pt-BR" sz="2800" dirty="0"/>
+              <a:t>Demonstrar </a:t>
+            </a:r>
+            <a:r>
+              <a:rPr lang="pt-BR" sz="2800" b="1" dirty="0"/>
+              <a:t>modelos para estudo </a:t>
+            </a:r>
+            <a:r>
+              <a:rPr lang="pt-BR" sz="2800" dirty="0"/>
+              <a:t>da </a:t>
+            </a:r>
+            <a:r>
+              <a:rPr lang="pt-BR" sz="2800" b="1" dirty="0"/>
+              <a:t>estrutura organizacional</a:t>
+            </a:r>
+            <a:r>
+              <a:rPr lang="pt-BR" sz="2800" dirty="0"/>
+              <a:t> e a necessidade da </a:t>
+            </a:r>
+            <a:r>
+              <a:rPr lang="pt-BR" sz="2800" b="1" dirty="0"/>
+              <a:t>governança de TI na ALVF</a:t>
+            </a:r>
+            <a:r>
+              <a:rPr lang="pt-BR" sz="2800" dirty="0"/>
+              <a:t>, destacando a importância da </a:t>
+            </a:r>
+            <a:r>
+              <a:rPr lang="pt-BR" sz="2800" b="1" dirty="0"/>
+              <a:t>evolução digital da ALVF</a:t>
+            </a:r>
+            <a:r>
+              <a:rPr lang="pt-BR" sz="2800" dirty="0"/>
+              <a:t>.</a:t>
             </a:r>
           </a:p>
         </p:txBody>
@@ -17765,7 +17893,7 @@
         </p:nvSpPr>
         <p:spPr>
           <a:xfrm>
-            <a:off x="963930" y="1050595"/>
+            <a:off x="963930" y="740555"/>
             <a:ext cx="6056111" cy="1618489"/>
           </a:xfrm>
         </p:spPr>
@@ -17776,7 +17904,7 @@
           <a:lstStyle/>
           <a:p>
             <a:r>
-              <a:rPr lang="pt-BR" sz="6300"/>
+              <a:rPr lang="pt-BR" sz="6300" dirty="0"/>
               <a:t>Introdução</a:t>
             </a:r>
           </a:p>
@@ -17800,13 +17928,13 @@
         </p:nvSpPr>
         <p:spPr>
           <a:xfrm>
-            <a:off x="963930" y="2496541"/>
+            <a:off x="851080" y="2027018"/>
             <a:ext cx="7439290" cy="2800395"/>
           </a:xfrm>
         </p:spPr>
         <p:txBody>
           <a:bodyPr anchor="t">
-            <a:normAutofit/>
+            <a:normAutofit fontScale="85000" lnSpcReduction="20000"/>
           </a:bodyPr>
           <a:lstStyle/>
           <a:p>
@@ -17815,24 +17943,85 @@
               <a:buChar char="-"/>
             </a:pPr>
             <a:r>
-              <a:rPr lang="pt-BR" sz="1900" b="1" dirty="0"/>
-              <a:t>Importância do Sistema de Informações no HRO e HNS</a:t>
+              <a:rPr lang="pt-BR" sz="3300" b="1" dirty="0"/>
+              <a:t>Importância do Sistema de Informações na ALVF</a:t>
             </a:r>
           </a:p>
           <a:p>
             <a:pPr marL="0" indent="0">
               <a:buNone/>
             </a:pPr>
-            <a:endParaRPr lang="pt-BR" sz="1900" dirty="0"/>
-          </a:p>
-          <a:p>
-            <a:pPr marL="400050" lvl="1" indent="0" algn="just">
+            <a:endParaRPr lang="pt-BR" sz="2800" dirty="0"/>
+          </a:p>
+          <a:p>
+            <a:pPr marL="0" lvl="1" indent="0" algn="just">
               <a:buNone/>
             </a:pPr>
             <a:r>
-              <a:rPr lang="pt-BR" sz="1900" dirty="0"/>
-              <a:t>	Os sistemas centralizam informações, otimizam a gestão de leitos, insumos e prontuários eletrônicos, garantem a segurança de dados e conformidade com a LGPD, comunicação com outras unidades de saúde, agilizando diagnósticos e atendimentos. </a:t>
-            </a:r>
+              <a:rPr lang="pt-BR" sz="2800" dirty="0"/>
+              <a:t> </a:t>
+            </a:r>
+            <a:r>
+              <a:rPr lang="pt-BR" sz="3000" dirty="0"/>
+              <a:t>Os sistemas </a:t>
+            </a:r>
+            <a:r>
+              <a:rPr lang="pt-BR" sz="3000" b="1" dirty="0"/>
+              <a:t>centralizam informações</a:t>
+            </a:r>
+            <a:r>
+              <a:rPr lang="pt-BR" sz="3000" dirty="0"/>
+              <a:t>, </a:t>
+            </a:r>
+            <a:r>
+              <a:rPr lang="pt-BR" sz="3000" b="1" dirty="0"/>
+              <a:t>otimizam a gestão</a:t>
+            </a:r>
+            <a:r>
+              <a:rPr lang="pt-BR" sz="3000" dirty="0"/>
+              <a:t> de </a:t>
+            </a:r>
+            <a:r>
+              <a:rPr lang="pt-BR" sz="3000" b="1" dirty="0"/>
+              <a:t>recursos, leitos, insumos e prontuários eletrônicos</a:t>
+            </a:r>
+            <a:r>
+              <a:rPr lang="pt-BR" sz="3000" dirty="0"/>
+              <a:t>. Garantem a </a:t>
+            </a:r>
+            <a:r>
+              <a:rPr lang="pt-BR" sz="3000" b="1" dirty="0"/>
+              <a:t>segurança de dados</a:t>
+            </a:r>
+            <a:r>
+              <a:rPr lang="pt-BR" sz="3000" dirty="0"/>
+              <a:t> em conformidade com a </a:t>
+            </a:r>
+            <a:r>
+              <a:rPr lang="pt-BR" sz="3000" b="1" dirty="0"/>
+              <a:t>LGPD</a:t>
+            </a:r>
+            <a:r>
+              <a:rPr lang="pt-BR" sz="3000" dirty="0"/>
+              <a:t>, facilidade em comunicação e agilidade em </a:t>
+            </a:r>
+            <a:r>
+              <a:rPr lang="pt-BR" sz="3000" b="1" dirty="0"/>
+              <a:t>diagnósticos</a:t>
+            </a:r>
+            <a:r>
+              <a:rPr lang="pt-BR" sz="3000" dirty="0"/>
+              <a:t> e </a:t>
+            </a:r>
+            <a:r>
+              <a:rPr lang="pt-BR" sz="3000" b="1" dirty="0"/>
+              <a:t>atendimentos</a:t>
+            </a:r>
+            <a:r>
+              <a:rPr lang="pt-BR" sz="3000" dirty="0"/>
+              <a:t>. </a:t>
+            </a:r>
+            <a:endParaRPr lang="pt-BR" sz="2800" dirty="0"/>
           </a:p>
         </p:txBody>
       </p:sp>
@@ -18507,8 +18696,8 @@
         </p:blipFill>
         <p:spPr>
           <a:xfrm>
-            <a:off x="387599" y="928850"/>
-            <a:ext cx="4579379" cy="5071900"/>
+            <a:off x="0" y="0"/>
+            <a:ext cx="5825741" cy="6818376"/>
           </a:xfrm>
           <a:prstGeom prst="rect">
             <a:avLst/>
@@ -18527,7 +18716,7 @@
         </p:nvSpPr>
         <p:spPr>
           <a:xfrm>
-            <a:off x="35500" y="903650"/>
+            <a:off x="7114032" y="395834"/>
             <a:ext cx="1801500" cy="1015632"/>
           </a:xfrm>
           <a:prstGeom prst="rect">
@@ -18577,8 +18766,8 @@
         </p:blipFill>
         <p:spPr>
           <a:xfrm>
-            <a:off x="4819026" y="2302033"/>
-            <a:ext cx="4204200" cy="1731634"/>
+            <a:off x="5084064" y="5095299"/>
+            <a:ext cx="4059936" cy="1731263"/>
           </a:xfrm>
           <a:prstGeom prst="rect">
             <a:avLst/>
@@ -18598,13 +18787,13 @@
           <p:nvPr/>
         </p:nvCxnSpPr>
         <p:spPr>
-          <a:xfrm>
-            <a:off x="3801600" y="1663650"/>
-            <a:ext cx="3119526" cy="1404000"/>
+          <a:xfrm rot="16200000" flipH="1">
+            <a:off x="3388435" y="2114371"/>
+            <a:ext cx="4750666" cy="2700528"/>
           </a:xfrm>
           <a:prstGeom prst="curvedConnector3">
             <a:avLst>
-              <a:gd name="adj1" fmla="val 100085"/>
+              <a:gd name="adj1" fmla="val -44"/>
             </a:avLst>
           </a:prstGeom>
           <a:noFill/>
@@ -18717,7 +18906,7 @@
         </p:nvSpPr>
         <p:spPr>
           <a:xfrm>
-            <a:off x="2890388" y="175100"/>
+            <a:off x="2890388" y="40448"/>
             <a:ext cx="3363224" cy="269304"/>
           </a:xfrm>
           <a:prstGeom prst="rect">
@@ -18764,10 +18953,221 @@
       </p:sp>
       <p:pic>
         <p:nvPicPr>
+          <p:cNvPr id="1026" name="Picture 2">
+            <a:extLst>
+              <a:ext uri="{FF2B5EF4-FFF2-40B4-BE49-F238E27FC236}">
+                <a16:creationId xmlns:a16="http://schemas.microsoft.com/office/drawing/2014/main" id="{05E25A59-9695-9D0D-7AA5-F5D238857B05}"/>
+              </a:ext>
+            </a:extLst>
+          </p:cNvPr>
+          <p:cNvPicPr>
+            <a:picLocks noChangeAspect="1" noChangeArrowheads="1"/>
+          </p:cNvPicPr>
+          <p:nvPr/>
+        </p:nvPicPr>
+        <p:blipFill>
+          <a:blip r:embed="rId4">
+            <a:extLst>
+              <a:ext uri="{28A0092B-C50C-407E-A947-70E740481C1C}">
+                <a14:useLocalDpi xmlns:a14="http://schemas.microsoft.com/office/drawing/2010/main" val="0"/>
+              </a:ext>
+            </a:extLst>
+          </a:blip>
+          <a:srcRect/>
+          <a:stretch>
+            <a:fillRect/>
+          </a:stretch>
+        </p:blipFill>
+        <p:spPr bwMode="auto">
+          <a:xfrm>
+            <a:off x="2146300" y="0"/>
+            <a:ext cx="4849813" cy="6858000"/>
+          </a:xfrm>
+          <a:prstGeom prst="rect">
+            <a:avLst/>
+          </a:prstGeom>
+          <a:noFill/>
+          <a:extLst>
+            <a:ext uri="{909E8E84-426E-40DD-AFC4-6F175D3DCCD1}">
+              <a14:hiddenFill xmlns:a14="http://schemas.microsoft.com/office/drawing/2010/main">
+                <a:solidFill>
+                  <a:srgbClr val="FFFFFF"/>
+                </a:solidFill>
+              </a14:hiddenFill>
+            </a:ext>
+          </a:extLst>
+        </p:spPr>
+      </p:pic>
+    </p:spTree>
+    <p:extLst>
+      <p:ext uri="{BB962C8B-B14F-4D97-AF65-F5344CB8AC3E}">
+        <p14:creationId xmlns:p14="http://schemas.microsoft.com/office/powerpoint/2010/main" val="1388225959"/>
+      </p:ext>
+    </p:extLst>
+  </p:cSld>
+  <p:clrMapOvr>
+    <a:masterClrMapping/>
+  </p:clrMapOvr>
+  <p:transition spd="slow">
+    <p:push/>
+  </p:transition>
+</p:sld>
+</file>
+
+<file path=ppt/slides/slide8.xml><?xml version="1.0" encoding="utf-8"?>
+<p:sld xmlns:a="http://schemas.openxmlformats.org/drawingml/2006/main" xmlns:r="http://schemas.openxmlformats.org/officeDocument/2006/relationships" xmlns:p="http://schemas.openxmlformats.org/presentationml/2006/main">
+  <p:cSld>
+    <p:spTree>
+      <p:nvGrpSpPr>
+        <p:cNvPr id="1" name="">
+          <a:extLst>
+            <a:ext uri="{FF2B5EF4-FFF2-40B4-BE49-F238E27FC236}">
+              <a16:creationId xmlns:a16="http://schemas.microsoft.com/office/drawing/2014/main" id="{6A77B1C4-BBFA-9D00-C08C-64171C8D2256}"/>
+            </a:ext>
+          </a:extLst>
+        </p:cNvPr>
+        <p:cNvGrpSpPr/>
+        <p:nvPr/>
+      </p:nvGrpSpPr>
+      <p:grpSpPr>
+        <a:xfrm>
+          <a:off x="0" y="0"/>
+          <a:ext cx="0" cy="0"/>
+          <a:chOff x="0" y="0"/>
+          <a:chExt cx="0" cy="0"/>
+        </a:xfrm>
+      </p:grpSpPr>
+      <p:sp>
+        <p:nvSpPr>
+          <p:cNvPr id="2" name="Freeform 2">
+            <a:extLst>
+              <a:ext uri="{FF2B5EF4-FFF2-40B4-BE49-F238E27FC236}">
+                <a16:creationId xmlns:a16="http://schemas.microsoft.com/office/drawing/2014/main" id="{B095FF10-4EDC-9DC3-D51E-A748038E7770}"/>
+              </a:ext>
+            </a:extLst>
+          </p:cNvPr>
+          <p:cNvSpPr/>
+          <p:nvPr/>
+        </p:nvSpPr>
+        <p:spPr>
+          <a:xfrm rot="2621064">
+            <a:off x="-735791" y="1762982"/>
+            <a:ext cx="10491707" cy="3810506"/>
+          </a:xfrm>
+          <a:custGeom>
+            <a:avLst/>
+            <a:gdLst/>
+            <a:ahLst/>
+            <a:cxnLst/>
+            <a:rect l="l" t="t" r="r" b="b"/>
+            <a:pathLst>
+              <a:path w="20983414" h="7621012">
+                <a:moveTo>
+                  <a:pt x="0" y="0"/>
+                </a:moveTo>
+                <a:lnTo>
+                  <a:pt x="20983414" y="0"/>
+                </a:lnTo>
+                <a:lnTo>
+                  <a:pt x="20983414" y="7621012"/>
+                </a:lnTo>
+                <a:lnTo>
+                  <a:pt x="0" y="7621012"/>
+                </a:lnTo>
+                <a:lnTo>
+                  <a:pt x="0" y="0"/>
+                </a:lnTo>
+                <a:close/>
+              </a:path>
+            </a:pathLst>
+          </a:custGeom>
+          <a:blipFill>
+            <a:blip r:embed="rId2">
+              <a:alphaModFix amt="24000"/>
+              <a:extLst>
+                <a:ext uri="{96DAC541-7B7A-43D3-8B79-37D633B846F1}">
+                  <asvg:svgBlip xmlns:asvg="http://schemas.microsoft.com/office/drawing/2016/SVG/main" r:embed="rId3"/>
+                </a:ext>
+              </a:extLst>
+            </a:blip>
+            <a:stretch>
+              <a:fillRect/>
+            </a:stretch>
+          </a:blipFill>
+        </p:spPr>
+        <p:txBody>
+          <a:bodyPr/>
+          <a:lstStyle/>
+          <a:p>
+            <a:endParaRPr lang="pt-BR"/>
+          </a:p>
+        </p:txBody>
+      </p:sp>
+      <p:sp>
+        <p:nvSpPr>
+          <p:cNvPr id="4" name="TextBox 4">
+            <a:extLst>
+              <a:ext uri="{FF2B5EF4-FFF2-40B4-BE49-F238E27FC236}">
+                <a16:creationId xmlns:a16="http://schemas.microsoft.com/office/drawing/2014/main" id="{9858F355-B173-56F4-BCA1-13E2BCA975B0}"/>
+              </a:ext>
+            </a:extLst>
+          </p:cNvPr>
+          <p:cNvSpPr txBox="1"/>
+          <p:nvPr/>
+        </p:nvSpPr>
+        <p:spPr>
+          <a:xfrm>
+            <a:off x="2890388" y="40448"/>
+            <a:ext cx="3363224" cy="269304"/>
+          </a:xfrm>
+          <a:prstGeom prst="rect">
+            <a:avLst/>
+          </a:prstGeom>
+        </p:spPr>
+        <p:txBody>
+          <a:bodyPr lIns="0" tIns="0" rIns="0" bIns="0" rtlCol="0" anchor="t">
+            <a:spAutoFit/>
+          </a:bodyPr>
+          <a:lstStyle/>
+          <a:p>
+            <a:pPr algn="ctr">
+              <a:lnSpc>
+                <a:spcPts val="2100"/>
+              </a:lnSpc>
+              <a:spcBef>
+                <a:spcPct val="0"/>
+              </a:spcBef>
+            </a:pPr>
+            <a:r>
+              <a:rPr lang="en-US" sz="2000" b="1" dirty="0" err="1">
+                <a:solidFill>
+                  <a:srgbClr val="5D9E8D"/>
+                </a:solidFill>
+                <a:latin typeface="Poppins 1 Semi-Bold"/>
+                <a:ea typeface="Poppins 1 Semi-Bold"/>
+                <a:cs typeface="Poppins 1 Semi-Bold"/>
+                <a:sym typeface="Poppins 1 Semi-Bold"/>
+              </a:rPr>
+              <a:t>Organograma</a:t>
+            </a:r>
+            <a:endParaRPr lang="en-US" sz="2000" b="1" dirty="0">
+              <a:solidFill>
+                <a:srgbClr val="5D9E8D"/>
+              </a:solidFill>
+              <a:latin typeface="Poppins 1 Semi-Bold"/>
+              <a:ea typeface="Poppins 1 Semi-Bold"/>
+              <a:cs typeface="Poppins 1 Semi-Bold"/>
+              <a:sym typeface="Poppins 1 Semi-Bold"/>
+            </a:endParaRPr>
+          </a:p>
+        </p:txBody>
+      </p:sp>
+      <p:pic>
+        <p:nvPicPr>
           <p:cNvPr id="8" name="Imagem 7">
             <a:extLst>
               <a:ext uri="{FF2B5EF4-FFF2-40B4-BE49-F238E27FC236}">
-                <a16:creationId xmlns:a16="http://schemas.microsoft.com/office/drawing/2014/main" id="{4E9D9016-D514-89D1-0B31-9CB8D8F215EE}"/>
+                <a16:creationId xmlns:a16="http://schemas.microsoft.com/office/drawing/2014/main" id="{194188E3-D7A7-83F2-8540-28800C62D917}"/>
               </a:ext>
             </a:extLst>
           </p:cNvPr>
@@ -18795,7 +19195,7 @@
     </p:spTree>
     <p:extLst>
       <p:ext uri="{BB962C8B-B14F-4D97-AF65-F5344CB8AC3E}">
-        <p14:creationId xmlns:p14="http://schemas.microsoft.com/office/powerpoint/2010/main" val="1388225959"/>
+        <p14:creationId xmlns:p14="http://schemas.microsoft.com/office/powerpoint/2010/main" val="1817507715"/>
       </p:ext>
     </p:extLst>
   </p:cSld>
@@ -18808,7 +19208,7 @@
 </p:sld>
 </file>
 
-<file path=ppt/slides/slide8.xml><?xml version="1.0" encoding="utf-8"?>
+<file path=ppt/slides/slide9.xml><?xml version="1.0" encoding="utf-8"?>
 <p:sld xmlns:a="http://schemas.openxmlformats.org/drawingml/2006/main" xmlns:r="http://schemas.openxmlformats.org/officeDocument/2006/relationships" xmlns:p="http://schemas.openxmlformats.org/presentationml/2006/main">
   <p:cSld>
     <p:spTree>
@@ -18855,7 +19255,7 @@
           <a:p>
             <a:r>
               <a:rPr lang="pt-BR" b="1" dirty="0"/>
-              <a:t>Governança e Organização de TI</a:t>
+              <a:t>Proposta de Governança e Organização da TI</a:t>
             </a:r>
             <a:endParaRPr lang="pt-BR" dirty="0"/>
           </a:p>
@@ -18876,7 +19276,7 @@
         <p:spPr>
           <a:xfrm>
             <a:off x="311700" y="1164149"/>
-            <a:ext cx="8679900" cy="4955203"/>
+            <a:ext cx="8679900" cy="5232202"/>
           </a:xfrm>
           <a:prstGeom prst="rect">
             <a:avLst/>
@@ -18892,85 +19292,121 @@
             <a:endParaRPr lang="pt-BR" dirty="0"/>
           </a:p>
           <a:p>
+            <a:pPr marL="457200" indent="-457200">
+              <a:buFont typeface="+mj-lt"/>
+              <a:buAutoNum type="arabicPeriod"/>
+            </a:pPr>
             <a:r>
               <a:rPr lang="pt-BR" sz="2000" b="1" i="1" dirty="0">
                 <a:solidFill>
                   <a:schemeClr val="accent1"/>
                 </a:solidFill>
               </a:rPr>
-              <a:t>Estrutura Organizacional de TI – </a:t>
+              <a:t>Criar Estrutura Organizacional – </a:t>
             </a:r>
             <a:r>
               <a:rPr lang="pt-BR" dirty="0"/>
-              <a:t> Organograma da governança de TI, responsabilidades e processos de gestão.</a:t>
-            </a:r>
-          </a:p>
-          <a:p>
+              <a:t> Rever Organograma da Governança, as responsabilidades e os processos de gestão.</a:t>
+            </a:r>
+          </a:p>
+          <a:p>
+            <a:pPr marL="342900" indent="-342900">
+              <a:buFont typeface="+mj-lt"/>
+              <a:buAutoNum type="arabicPeriod"/>
+            </a:pPr>
             <a:endParaRPr lang="pt-BR" dirty="0"/>
           </a:p>
           <a:p>
+            <a:pPr marL="457200" indent="-457200">
+              <a:buFont typeface="+mj-lt"/>
+              <a:buAutoNum type="arabicPeriod"/>
+            </a:pPr>
             <a:r>
               <a:rPr lang="pt-BR" sz="2000" b="1" i="1" dirty="0">
                 <a:solidFill>
                   <a:schemeClr val="accent1"/>
                 </a:solidFill>
               </a:rPr>
-              <a:t>Modelos de Governança de TI </a:t>
+              <a:t>Implantar Modelos de Governança  </a:t>
             </a:r>
             <a:r>
               <a:rPr lang="pt-BR" dirty="0"/>
-              <a:t>– Frameworks aplicáveis (como COBIT, ITIL e LGPD) para garantir eficiência, segurança e conformidade no sistema hospitalar.</a:t>
-            </a:r>
-          </a:p>
-          <a:p>
+              <a:t>– Frameworks aplicáveis (como COBIT, ITIL e LGPD) para eficiência, segurança e conformidade no sistema hospitalar.</a:t>
+            </a:r>
+          </a:p>
+          <a:p>
+            <a:pPr marL="342900" indent="-342900">
+              <a:buFont typeface="+mj-lt"/>
+              <a:buAutoNum type="arabicPeriod"/>
+            </a:pPr>
             <a:endParaRPr lang="pt-BR" dirty="0"/>
           </a:p>
           <a:p>
+            <a:pPr marL="457200" indent="-457200">
+              <a:buFont typeface="+mj-lt"/>
+              <a:buAutoNum type="arabicPeriod"/>
+            </a:pPr>
             <a:r>
               <a:rPr lang="pt-BR" sz="2000" b="1" i="1" dirty="0">
                 <a:solidFill>
                   <a:schemeClr val="accent1"/>
                 </a:solidFill>
               </a:rPr>
-              <a:t>Infraestrutura e Sistemas de Informação </a:t>
+              <a:t>Rever a Infraestrutura e os Sistemas de Informação </a:t>
             </a:r>
             <a:r>
               <a:rPr lang="pt-BR" dirty="0"/>
-              <a:t>– Avaliar módulos utilizados, como prontuário eletrônico, gestão de leitos, telemedicina e integração com outras plataformas de saúde.</a:t>
-            </a:r>
-          </a:p>
-          <a:p>
+              <a:t>– Avaliar módulos utilizados, como prontuário eletrônico, gestão de leitos, telemedicina e integração com outras plataformas/sistemas de saúde e de gestão.</a:t>
+            </a:r>
+          </a:p>
+          <a:p>
+            <a:pPr marL="342900" indent="-342900">
+              <a:buFont typeface="+mj-lt"/>
+              <a:buAutoNum type="arabicPeriod"/>
+            </a:pPr>
             <a:endParaRPr lang="pt-BR" dirty="0"/>
           </a:p>
           <a:p>
+            <a:pPr marL="457200" indent="-457200">
+              <a:buFont typeface="+mj-lt"/>
+              <a:buAutoNum type="arabicPeriod"/>
+            </a:pPr>
             <a:r>
               <a:rPr lang="pt-BR" sz="2000" b="1" i="1" dirty="0">
                 <a:solidFill>
                   <a:schemeClr val="accent1"/>
                 </a:solidFill>
               </a:rPr>
-              <a:t>Desafios e Riscos em TI </a:t>
+              <a:t>Focar nos Desafios e Riscos </a:t>
             </a:r>
             <a:r>
               <a:rPr lang="pt-BR" dirty="0"/>
-              <a:t>– Segurança cibernética, interoperabilidade de dados, continuidade de negócios e disponibilidade dos módulos do sistema e subsistemas.</a:t>
-            </a:r>
-          </a:p>
-          <a:p>
+              <a:t>– Sistematizar/Padronizar a Segurança cibernética, a interoperabilidade de dados e garantir a continuidade de negócios e a disponibilidade dos módulos dos sistemas/subsistemas.</a:t>
+            </a:r>
+          </a:p>
+          <a:p>
+            <a:pPr marL="342900" indent="-342900">
+              <a:buFont typeface="+mj-lt"/>
+              <a:buAutoNum type="arabicPeriod"/>
+            </a:pPr>
             <a:endParaRPr lang="pt-BR" dirty="0"/>
           </a:p>
           <a:p>
+            <a:pPr marL="457200" indent="-457200">
+              <a:buFont typeface="+mj-lt"/>
+              <a:buAutoNum type="arabicPeriod"/>
+            </a:pPr>
             <a:r>
               <a:rPr lang="pt-BR" sz="2000" b="1" i="1" dirty="0">
                 <a:solidFill>
                   <a:schemeClr val="accent1"/>
                 </a:solidFill>
               </a:rPr>
-              <a:t>Propostas de Melhoria </a:t>
+              <a:t>Implantar Propostas de Melhoria </a:t>
             </a:r>
             <a:r>
               <a:rPr lang="pt-BR" dirty="0"/>
-              <a:t>– Implantação e otimização da governança de TI, incluindo </a:t>
+              <a:t>– otimizar a governança, incluindo </a:t>
             </a:r>
             <a:r>
               <a:rPr lang="pt-BR" b="1" dirty="0"/>
@@ -18994,7 +19430,7 @@
             </a:r>
             <a:r>
               <a:rPr lang="pt-BR" dirty="0"/>
-              <a:t>para suporte clínico e aprimoramento da infraestrutura digital.</a:t>
+              <a:t>ao suporte clínico e aprimoramento da infraestrutura digital.</a:t>
             </a:r>
           </a:p>
         </p:txBody>
@@ -19012,70 +19448,10 @@
 </p:sld>
 </file>
 
-<file path=ppt/slides/slide9.xml><?xml version="1.0" encoding="utf-8"?>
-<p:sld xmlns:a="http://schemas.openxmlformats.org/drawingml/2006/main" xmlns:r="http://schemas.openxmlformats.org/officeDocument/2006/relationships" xmlns:p="http://schemas.openxmlformats.org/presentationml/2006/main">
-  <p:cSld>
-    <p:spTree>
-      <p:nvGrpSpPr>
-        <p:cNvPr id="1" name=""/>
-        <p:cNvGrpSpPr/>
-        <p:nvPr/>
-      </p:nvGrpSpPr>
-      <p:grpSpPr>
-        <a:xfrm>
-          <a:off x="0" y="0"/>
-          <a:ext cx="0" cy="0"/>
-          <a:chOff x="0" y="0"/>
-          <a:chExt cx="0" cy="0"/>
-        </a:xfrm>
-      </p:grpSpPr>
-      <p:pic>
-        <p:nvPicPr>
-          <p:cNvPr id="6" name="Imagem 5">
-            <a:extLst>
-              <a:ext uri="{FF2B5EF4-FFF2-40B4-BE49-F238E27FC236}">
-                <a16:creationId xmlns:a16="http://schemas.microsoft.com/office/drawing/2014/main" id="{A2D3BB84-F416-C5BE-A3D1-EE2CF1DC38C7}"/>
-              </a:ext>
-            </a:extLst>
-          </p:cNvPr>
-          <p:cNvPicPr>
-            <a:picLocks noChangeAspect="1"/>
-          </p:cNvPicPr>
-          <p:nvPr/>
-        </p:nvPicPr>
-        <p:blipFill>
-          <a:blip r:embed="rId2"/>
-          <a:stretch>
-            <a:fillRect/>
-          </a:stretch>
-        </p:blipFill>
-        <p:spPr>
-          <a:xfrm>
-            <a:off x="137043" y="326571"/>
-            <a:ext cx="8902765" cy="5900057"/>
-          </a:xfrm>
-          <a:prstGeom prst="rect">
-            <a:avLst/>
-          </a:prstGeom>
-        </p:spPr>
-      </p:pic>
-    </p:spTree>
-    <p:extLst>
-      <p:ext uri="{BB962C8B-B14F-4D97-AF65-F5344CB8AC3E}">
-        <p14:creationId xmlns:p14="http://schemas.microsoft.com/office/powerpoint/2010/main" val="1623187576"/>
-      </p:ext>
-    </p:extLst>
-  </p:cSld>
-  <p:clrMapOvr>
-    <a:masterClrMapping/>
-  </p:clrMapOvr>
-</p:sld>
-</file>
-
 <file path=ppt/theme/theme1.xml><?xml version="1.0" encoding="utf-8"?>
 <a:theme xmlns:a="http://schemas.openxmlformats.org/drawingml/2006/main" name="Tema do Office">
   <a:themeElements>
-    <a:clrScheme name="Office">
+    <a:clrScheme name="Laranja Vermelho">
       <a:dk1>
         <a:sysClr val="windowText" lastClr="000000"/>
       </a:dk1>
@@ -19083,34 +19459,34 @@
         <a:sysClr val="window" lastClr="FFFFFF"/>
       </a:lt1>
       <a:dk2>
-        <a:srgbClr val="0E2841"/>
+        <a:srgbClr val="505046"/>
       </a:dk2>
       <a:lt2>
-        <a:srgbClr val="E8E8E8"/>
+        <a:srgbClr val="EEECE1"/>
       </a:lt2>
       <a:accent1>
-        <a:srgbClr val="156082"/>
+        <a:srgbClr val="E84C22"/>
       </a:accent1>
       <a:accent2>
-        <a:srgbClr val="E97132"/>
+        <a:srgbClr val="FFBD47"/>
       </a:accent2>
       <a:accent3>
-        <a:srgbClr val="196B24"/>
+        <a:srgbClr val="B64926"/>
       </a:accent3>
       <a:accent4>
-        <a:srgbClr val="0F9ED5"/>
+        <a:srgbClr val="FF8427"/>
       </a:accent4>
       <a:accent5>
-        <a:srgbClr val="A02B93"/>
+        <a:srgbClr val="CC9900"/>
       </a:accent5>
       <a:accent6>
-        <a:srgbClr val="4EA72E"/>
+        <a:srgbClr val="B22600"/>
       </a:accent6>
       <a:hlink>
-        <a:srgbClr val="467886"/>
+        <a:srgbClr val="CC9900"/>
       </a:hlink>
       <a:folHlink>
-        <a:srgbClr val="96607D"/>
+        <a:srgbClr val="666699"/>
       </a:folHlink>
     </a:clrScheme>
     <a:fontScheme name="Office">
